--- a/Gen-AI.pptx
+++ b/Gen-AI.pptx
@@ -2422,8 +2422,8 @@
         </p:nvSpPr>
         <p:spPr>
           <a:xfrm>
-            <a:off x="6396734" y="1741644"/>
-            <a:ext cx="3356865" cy="1001556"/>
+            <a:off x="5943600" y="2054320"/>
+            <a:ext cx="3356865" cy="768159"/>
           </a:xfrm>
           <a:prstGeom prst="rect">
             <a:avLst/>
@@ -2444,13 +2444,30 @@
               </a:spcBef>
             </a:pPr>
             <a:r>
-              <a:rPr lang="en-IN" sz="3200" b="1" dirty="0">
+              <a:rPr lang="en-IN" sz="2400" b="1" dirty="0">
                 <a:latin typeface="Trebuchet MS"/>
                 <a:cs typeface="Trebuchet MS"/>
               </a:rPr>
               <a:t>ANANDA KRISHNAN  P S</a:t>
             </a:r>
-            <a:endParaRPr sz="3200" b="1" dirty="0">
+          </a:p>
+          <a:p>
+            <a:pPr marL="12700">
+              <a:lnSpc>
+                <a:spcPct val="100000"/>
+              </a:lnSpc>
+              <a:spcBef>
+                <a:spcPts val="130"/>
+              </a:spcBef>
+            </a:pPr>
+            <a:r>
+              <a:rPr lang="en-IN" sz="2400" b="1" dirty="0">
+                <a:latin typeface="Trebuchet MS"/>
+                <a:cs typeface="Trebuchet MS"/>
+              </a:rPr>
+              <a:t>SHALINI R</a:t>
+            </a:r>
+            <a:endParaRPr sz="2400" b="1" dirty="0">
               <a:latin typeface="Trebuchet MS"/>
               <a:cs typeface="Trebuchet MS"/>
             </a:endParaRPr>
@@ -2465,7 +2482,7 @@
         </p:nvSpPr>
         <p:spPr>
           <a:xfrm>
-            <a:off x="6484620" y="2821622"/>
+            <a:off x="6553200" y="2895600"/>
             <a:ext cx="1859280" cy="391795"/>
           </a:xfrm>
           <a:prstGeom prst="rect">
@@ -2516,7 +2533,7 @@
               </a:rPr>
               <a:t>Project</a:t>
             </a:r>
-            <a:endParaRPr sz="2400">
+            <a:endParaRPr sz="2400" dirty="0">
               <a:latin typeface="Trebuchet MS"/>
               <a:cs typeface="Trebuchet MS"/>
             </a:endParaRPr>

--- a/Gen-AI.pptx
+++ b/Gen-AI.pptx
@@ -5261,6 +5261,95 @@
               <a:t>3</a:t>
             </a:fld>
             <a:endParaRPr spc="-50" dirty="0"/>
+          </a:p>
+        </p:txBody>
+      </p:sp>
+      <p:sp>
+        <p:nvSpPr>
+          <p:cNvPr id="27" name="TextBox 26">
+            <a:extLst>
+              <a:ext uri="{FF2B5EF4-FFF2-40B4-BE49-F238E27FC236}">
+                <a16:creationId xmlns:a16="http://schemas.microsoft.com/office/drawing/2014/main" id="{BF685762-F0B4-613B-D6DB-BDAC907EA330}"/>
+              </a:ext>
+            </a:extLst>
+          </p:cNvPr>
+          <p:cNvSpPr txBox="1"/>
+          <p:nvPr/>
+        </p:nvSpPr>
+        <p:spPr>
+          <a:xfrm>
+            <a:off x="712622" y="1198102"/>
+            <a:ext cx="8221481" cy="2968761"/>
+          </a:xfrm>
+          <a:prstGeom prst="rect">
+            <a:avLst/>
+          </a:prstGeom>
+          <a:noFill/>
+        </p:spPr>
+        <p:txBody>
+          <a:bodyPr wrap="square" rtlCol="0">
+            <a:spAutoFit/>
+          </a:bodyPr>
+          <a:lstStyle/>
+          <a:p>
+            <a:pPr marL="285750" indent="-285750">
+              <a:lnSpc>
+                <a:spcPct val="200000"/>
+              </a:lnSpc>
+              <a:buFont typeface="Arial" panose="020B0604020202020204" pitchFamily="34" charset="0"/>
+              <a:buChar char="•"/>
+            </a:pPr>
+            <a:r>
+              <a:rPr lang="en-US" sz="1600" dirty="0">
+                <a:latin typeface="Berlin Sans FB Demi" panose="020E0802020502020306" pitchFamily="34" charset="0"/>
+              </a:rPr>
+              <a:t>Introduction &amp; Problem Statement: Overview of the project's objectives and challenges in photorealistic face generation.</a:t>
+            </a:r>
+          </a:p>
+          <a:p>
+            <a:pPr marL="285750" indent="-285750">
+              <a:lnSpc>
+                <a:spcPct val="200000"/>
+              </a:lnSpc>
+              <a:buFont typeface="Arial" panose="020B0604020202020204" pitchFamily="34" charset="0"/>
+              <a:buChar char="•"/>
+            </a:pPr>
+            <a:r>
+              <a:rPr lang="en-US" sz="1600" dirty="0">
+                <a:latin typeface="Berlin Sans FB Demi" panose="020E0802020502020306" pitchFamily="34" charset="0"/>
+              </a:rPr>
+              <a:t>Solution Architecture: Explanation of the DCGAN architecture and its components.</a:t>
+            </a:r>
+          </a:p>
+          <a:p>
+            <a:pPr marL="285750" indent="-285750">
+              <a:lnSpc>
+                <a:spcPct val="200000"/>
+              </a:lnSpc>
+              <a:buFont typeface="Arial" panose="020B0604020202020204" pitchFamily="34" charset="0"/>
+              <a:buChar char="•"/>
+            </a:pPr>
+            <a:r>
+              <a:rPr lang="en-US" sz="1600" dirty="0">
+                <a:latin typeface="Berlin Sans FB Demi" panose="020E0802020502020306" pitchFamily="34" charset="0"/>
+              </a:rPr>
+              <a:t>Training &amp; Results: Description of the training procedure and presentation of results.</a:t>
+            </a:r>
+          </a:p>
+          <a:p>
+            <a:pPr marL="285750" indent="-285750">
+              <a:lnSpc>
+                <a:spcPct val="200000"/>
+              </a:lnSpc>
+              <a:buFont typeface="Arial" panose="020B0604020202020204" pitchFamily="34" charset="0"/>
+              <a:buChar char="•"/>
+            </a:pPr>
+            <a:r>
+              <a:rPr lang="en-US" sz="1600" dirty="0">
+                <a:latin typeface="Berlin Sans FB Demi" panose="020E0802020502020306" pitchFamily="34" charset="0"/>
+              </a:rPr>
+              <a:t>Applications &amp; Future Directions: Discussion of potential applications and future research directions.</a:t>
+            </a:r>
           </a:p>
         </p:txBody>
       </p:sp>
